--- a/基础PPT/JavaSE进阶第二版/第13章：Java网络编程.pptx
+++ b/基础PPT/JavaSE进阶第二版/第13章：Java网络编程.pptx
@@ -8579,6 +8579,24 @@
                 <a:cs typeface="+mj-ea"/>
                 <a:sym typeface="+mn-ea"/>
               </a:rPr>
+              <a:t>1</a:t>
+            </a:r>
+            <a:r>
+              <a:rPr lang="zh-CN" altLang="en-US">
+                <a:latin typeface="+mj-ea"/>
+                <a:ea typeface="+mj-ea"/>
+                <a:cs typeface="+mj-ea"/>
+                <a:sym typeface="+mn-ea"/>
+              </a:rPr>
+              <a:t>、</a:t>
+            </a:r>
+            <a:r>
+              <a:rPr lang="en-US" altLang="zh-CN">
+                <a:latin typeface="+mj-ea"/>
+                <a:ea typeface="+mj-ea"/>
+                <a:cs typeface="+mj-ea"/>
+                <a:sym typeface="+mn-ea"/>
+              </a:rPr>
               <a:t>TCP/IP </a:t>
             </a:r>
             <a:r>
@@ -8625,6 +8643,24 @@
                 <a:cs typeface="+mj-ea"/>
                 <a:sym typeface="+mn-ea"/>
               </a:rPr>
+              <a:t>2</a:t>
+            </a:r>
+            <a:r>
+              <a:rPr lang="zh-CN" altLang="en-US">
+                <a:latin typeface="+mj-ea"/>
+                <a:ea typeface="+mj-ea"/>
+                <a:cs typeface="+mj-ea"/>
+                <a:sym typeface="+mn-ea"/>
+              </a:rPr>
+              <a:t>、</a:t>
+            </a:r>
+            <a:r>
+              <a:rPr lang="en-US" altLang="zh-CN">
+                <a:latin typeface="+mj-ea"/>
+                <a:ea typeface="+mj-ea"/>
+                <a:cs typeface="+mj-ea"/>
+                <a:sym typeface="+mn-ea"/>
+              </a:rPr>
               <a:t>TCP </a:t>
             </a:r>
             <a:r>
@@ -8664,6 +8700,24 @@
           </a:bodyPr>
           <a:p>
             <a:pPr algn="l"/>
+            <a:r>
+              <a:rPr lang="en-US">
+                <a:latin typeface="+mj-ea"/>
+                <a:ea typeface="+mj-ea"/>
+                <a:cs typeface="+mj-ea"/>
+                <a:sym typeface="+mn-ea"/>
+              </a:rPr>
+              <a:t>3</a:t>
+            </a:r>
+            <a:r>
+              <a:rPr lang="zh-CN" altLang="en-US">
+                <a:latin typeface="+mj-ea"/>
+                <a:ea typeface="+mj-ea"/>
+                <a:cs typeface="+mj-ea"/>
+                <a:sym typeface="+mn-ea"/>
+              </a:rPr>
+              <a:t>、</a:t>
+            </a:r>
             <a:r>
               <a:rPr lang="en-US">
                 <a:latin typeface="+mj-ea"/>
